--- a/PD-LN-Velikanov-Ivan-181-331.pptx
+++ b/PD-LN-Velikanov-Ivan-181-331.pptx
@@ -7367,53 +7367,6 @@
           <a:chExt cx="0" cy="0"/>
         </a:xfrm>
       </p:grpSpPr>
-      <p:sp>
-        <p:nvSpPr>
-          <p:cNvPr id="11" name="TextBox 10"/>
-          <p:cNvSpPr txBox="1"/>
-          <p:nvPr/>
-        </p:nvSpPr>
-        <p:spPr>
-          <a:xfrm>
-            <a:off x="755576" y="2266650"/>
-            <a:ext cx="2121150" cy="496799"/>
-          </a:xfrm>
-          <a:prstGeom prst="rect">
-            <a:avLst/>
-          </a:prstGeom>
-          <a:noFill/>
-        </p:spPr>
-        <p:txBody>
-          <a:bodyPr wrap="none" lIns="65274" tIns="32637" rIns="65274" bIns="32637" rtlCol="0">
-            <a:spAutoFit/>
-          </a:bodyPr>
-          <a:lstStyle>
-            <a:defPPr>
-              <a:defRPr lang="ru-RU"/>
-            </a:defPPr>
-            <a:lvl1pPr>
-              <a:defRPr sz="2300">
-                <a:solidFill>
-                  <a:schemeClr val="bg1"/>
-                </a:solidFill>
-                <a:latin typeface="Gilroy" pitchFamily="50" charset="-52"/>
-              </a:defRPr>
-            </a:lvl1pPr>
-          </a:lstStyle>
-          <a:p>
-            <a:r>
-              <a:rPr lang="ru-RU" sz="1400" dirty="0"/>
-              <a:t>И. О. Фамилия</a:t>
-            </a:r>
-          </a:p>
-          <a:p>
-            <a:r>
-              <a:rPr lang="ru-RU" sz="1400" dirty="0"/>
-              <a:t>Должность докладчика</a:t>
-            </a:r>
-          </a:p>
-        </p:txBody>
-      </p:sp>
     </p:spTree>
     <p:extLst>
       <p:ext uri="{BB962C8B-B14F-4D97-AF65-F5344CB8AC3E}">
@@ -7658,9 +7611,6 @@
               </a:rPr>
               <a:t>Иван Вадимович</a:t>
             </a:r>
-            <a:endParaRPr lang="ru-RU" dirty="0">
-              <a:latin typeface="+mj-lt"/>
-            </a:endParaRPr>
           </a:p>
         </p:txBody>
       </p:sp>
@@ -8006,9 +7956,6 @@
               </a:rPr>
               <a:t>Техническое задание</a:t>
             </a:r>
-            <a:endParaRPr lang="ru-RU" sz="4000" dirty="0">
-              <a:latin typeface="+mj-lt"/>
-            </a:endParaRPr>
           </a:p>
         </p:txBody>
       </p:sp>
@@ -8232,7 +8179,6 @@
               <a:rPr lang="ru-RU" sz="1800" dirty="0"/>
               <a:t>.</a:t>
             </a:r>
-            <a:endParaRPr lang="ru-RU" sz="1800" dirty="0"/>
           </a:p>
         </p:txBody>
       </p:sp>
@@ -8283,9 +8229,6 @@
               </a:rPr>
               <a:t>1. Что такое Lightning Network?</a:t>
             </a:r>
-            <a:endParaRPr lang="ru-RU" sz="2800" dirty="0">
-              <a:latin typeface="+mj-lt"/>
-            </a:endParaRPr>
           </a:p>
         </p:txBody>
       </p:sp>
@@ -8571,9 +8514,6 @@
               </a:rPr>
               <a:t>2. Отличия Lightning Network от других способов оплаты в интернете?</a:t>
             </a:r>
-            <a:endParaRPr lang="ru-RU" dirty="0">
-              <a:latin typeface="+mj-lt"/>
-            </a:endParaRPr>
           </a:p>
         </p:txBody>
       </p:sp>
@@ -8858,9 +8798,6 @@
               </a:rPr>
               <a:t>2. Отличия Lightning Network от других способов оплаты в интернете?</a:t>
             </a:r>
-            <a:endParaRPr lang="ru-RU" dirty="0">
-              <a:latin typeface="+mj-lt"/>
-            </a:endParaRPr>
           </a:p>
         </p:txBody>
       </p:sp>
@@ -9153,9 +9090,6 @@
               </a:rPr>
               <a:t>2. Отличия Lightning Network от других способов оплаты в интернете?</a:t>
             </a:r>
-            <a:endParaRPr lang="ru-RU" dirty="0">
-              <a:latin typeface="+mj-lt"/>
-            </a:endParaRPr>
           </a:p>
         </p:txBody>
       </p:sp>
@@ -9447,9 +9381,6 @@
               </a:rPr>
               <a:t>2. Отличия Lightning Network от других способов оплаты в интернете?</a:t>
             </a:r>
-            <a:endParaRPr lang="ru-RU" dirty="0">
-              <a:latin typeface="+mj-lt"/>
-            </a:endParaRPr>
           </a:p>
         </p:txBody>
       </p:sp>
@@ -9710,7 +9641,6 @@
               <a:rPr lang="ru-RU" sz="1800" dirty="0"/>
               <a:t> </a:t>
             </a:r>
-            <a:endParaRPr lang="ru-RU" sz="1800" dirty="0"/>
           </a:p>
         </p:txBody>
       </p:sp>
@@ -9761,9 +9691,6 @@
               </a:rPr>
               <a:t>2. Отличия Lightning Network от других способов оплаты в интернете?</a:t>
             </a:r>
-            <a:endParaRPr lang="ru-RU" dirty="0">
-              <a:latin typeface="+mj-lt"/>
-            </a:endParaRPr>
           </a:p>
         </p:txBody>
       </p:sp>
